--- a/Seccion 1 Introducción al espacio multivariante/Diapositivas/1.9 Medidas descriptivas multivariantes - localizacion.pptx
+++ b/Seccion 1 Introducción al espacio multivariante/Diapositivas/1.9 Medidas descriptivas multivariantes - localizacion.pptx
@@ -271,7 +271,7 @@
             <a:fld id="{B61BEF0D-F0BB-DE4B-95CE-6DB70DBA9567}" type="datetimeFigureOut">
               <a:rPr lang="en-US" smtClean="0"/>
               <a:pPr/>
-              <a:t>12/11/2019</a:t>
+              <a:t>3/17/2020</a:t>
             </a:fld>
             <a:endParaRPr lang="en-US" dirty="0"/>
           </a:p>
@@ -470,7 +470,7 @@
           <a:p>
             <a:fld id="{55C6B4A9-1611-4792-9094-5F34BCA07E0B}" type="datetimeFigureOut">
               <a:rPr lang="en-US" smtClean="0"/>
-              <a:t>12/11/2019</a:t>
+              <a:t>3/17/2020</a:t>
             </a:fld>
             <a:endParaRPr lang="en-US" dirty="0"/>
           </a:p>
@@ -679,7 +679,7 @@
             <a:fld id="{B61BEF0D-F0BB-DE4B-95CE-6DB70DBA9567}" type="datetimeFigureOut">
               <a:rPr lang="en-US" smtClean="0"/>
               <a:pPr/>
-              <a:t>12/11/2019</a:t>
+              <a:t>3/17/2020</a:t>
             </a:fld>
             <a:endParaRPr lang="en-US" dirty="0"/>
           </a:p>
@@ -1499,7 +1499,7 @@
             <a:fld id="{B61BEF0D-F0BB-DE4B-95CE-6DB70DBA9567}" type="datetimeFigureOut">
               <a:rPr lang="en-US" smtClean="0"/>
               <a:pPr/>
-              <a:t>12/11/2019</a:t>
+              <a:t>3/17/2020</a:t>
             </a:fld>
             <a:endParaRPr lang="en-US" dirty="0"/>
           </a:p>
@@ -1671,7 +1671,7 @@
             <a:fld id="{B61BEF0D-F0BB-DE4B-95CE-6DB70DBA9567}" type="datetimeFigureOut">
               <a:rPr lang="en-US" smtClean="0"/>
               <a:pPr/>
-              <a:t>12/11/2019</a:t>
+              <a:t>3/17/2020</a:t>
             </a:fld>
             <a:endParaRPr lang="en-US" dirty="0"/>
           </a:p>
@@ -1920,7 +1920,7 @@
             <a:fld id="{B61BEF0D-F0BB-DE4B-95CE-6DB70DBA9567}" type="datetimeFigureOut">
               <a:rPr lang="en-US" smtClean="0"/>
               <a:pPr/>
-              <a:t>12/11/2019</a:t>
+              <a:t>3/17/2020</a:t>
             </a:fld>
             <a:endParaRPr lang="en-US" dirty="0"/>
           </a:p>
@@ -2153,7 +2153,7 @@
           <a:p>
             <a:fld id="{EB712588-04B1-427B-82EE-E8DB90309F08}" type="datetimeFigureOut">
               <a:rPr lang="en-US" smtClean="0"/>
-              <a:t>12/11/2019</a:t>
+              <a:t>3/17/2020</a:t>
             </a:fld>
             <a:endParaRPr lang="en-US" dirty="0"/>
           </a:p>
@@ -2528,7 +2528,7 @@
             <a:fld id="{B61BEF0D-F0BB-DE4B-95CE-6DB70DBA9567}" type="datetimeFigureOut">
               <a:rPr lang="en-US" smtClean="0"/>
               <a:pPr/>
-              <a:t>12/11/2019</a:t>
+              <a:t>3/17/2020</a:t>
             </a:fld>
             <a:endParaRPr lang="en-US" dirty="0"/>
           </a:p>
@@ -2653,7 +2653,7 @@
             <a:fld id="{B61BEF0D-F0BB-DE4B-95CE-6DB70DBA9567}" type="datetimeFigureOut">
               <a:rPr lang="en-US" smtClean="0"/>
               <a:pPr/>
-              <a:t>12/11/2019</a:t>
+              <a:t>3/17/2020</a:t>
             </a:fld>
             <a:endParaRPr lang="en-US" dirty="0"/>
           </a:p>
@@ -2750,7 +2750,7 @@
             <a:fld id="{B61BEF0D-F0BB-DE4B-95CE-6DB70DBA9567}" type="datetimeFigureOut">
               <a:rPr lang="en-US" smtClean="0"/>
               <a:pPr/>
-              <a:t>12/11/2019</a:t>
+              <a:t>3/17/2020</a:t>
             </a:fld>
             <a:endParaRPr lang="en-US" dirty="0"/>
           </a:p>
@@ -3006,7 +3006,7 @@
           <a:p>
             <a:fld id="{42A54C80-263E-416B-A8E0-580EDEADCBDC}" type="datetimeFigureOut">
               <a:rPr lang="en-US" smtClean="0"/>
-              <a:t>12/11/2019</a:t>
+              <a:t>3/17/2020</a:t>
             </a:fld>
             <a:endParaRPr lang="en-US" dirty="0"/>
           </a:p>
@@ -3193,7 +3193,7 @@
             <a:fld id="{B61BEF0D-F0BB-DE4B-95CE-6DB70DBA9567}" type="datetimeFigureOut">
               <a:rPr lang="en-US" smtClean="0"/>
               <a:pPr/>
-              <a:t>12/11/2019</a:t>
+              <a:t>3/17/2020</a:t>
             </a:fld>
             <a:endParaRPr lang="en-US" dirty="0"/>
           </a:p>
@@ -3513,7 +3513,7 @@
             <a:fld id="{B61BEF0D-F0BB-DE4B-95CE-6DB70DBA9567}" type="datetimeFigureOut">
               <a:rPr lang="en-US" smtClean="0"/>
               <a:pPr/>
-              <a:t>12/11/2019</a:t>
+              <a:t>3/17/2020</a:t>
             </a:fld>
             <a:endParaRPr lang="en-US" dirty="0"/>
           </a:p>
@@ -3723,7 +3723,7 @@
             <a:fld id="{B61BEF0D-F0BB-DE4B-95CE-6DB70DBA9567}" type="datetimeFigureOut">
               <a:rPr lang="en-US" smtClean="0"/>
               <a:pPr/>
-              <a:t>12/11/2019</a:t>
+              <a:t>3/17/2020</a:t>
             </a:fld>
             <a:endParaRPr lang="en-US" dirty="0"/>
           </a:p>
@@ -4039,7 +4039,7 @@
             <a:fld id="{B61BEF0D-F0BB-DE4B-95CE-6DB70DBA9567}" type="datetimeFigureOut">
               <a:rPr lang="en-US" smtClean="0"/>
               <a:pPr/>
-              <a:t>12/11/2019</a:t>
+              <a:t>3/17/2020</a:t>
             </a:fld>
             <a:endParaRPr lang="en-US" dirty="0"/>
           </a:p>
@@ -4374,7 +4374,7 @@
             <a:fld id="{B61BEF0D-F0BB-DE4B-95CE-6DB70DBA9567}" type="datetimeFigureOut">
               <a:rPr lang="en-US" smtClean="0"/>
               <a:pPr/>
-              <a:t>12/11/2019</a:t>
+              <a:t>3/17/2020</a:t>
             </a:fld>
             <a:endParaRPr lang="en-US" dirty="0"/>
           </a:p>
@@ -4690,7 +4690,7 @@
             <a:fld id="{B61BEF0D-F0BB-DE4B-95CE-6DB70DBA9567}" type="datetimeFigureOut">
               <a:rPr lang="en-US" smtClean="0"/>
               <a:pPr/>
-              <a:t>12/11/2019</a:t>
+              <a:t>3/17/2020</a:t>
             </a:fld>
             <a:endParaRPr lang="en-US" dirty="0"/>
           </a:p>
@@ -5085,7 +5085,7 @@
             <a:fld id="{B61BEF0D-F0BB-DE4B-95CE-6DB70DBA9567}" type="datetimeFigureOut">
               <a:rPr lang="en-US" smtClean="0"/>
               <a:pPr/>
-              <a:t>12/11/2019</a:t>
+              <a:t>3/17/2020</a:t>
             </a:fld>
             <a:endParaRPr lang="en-US" dirty="0"/>
           </a:p>
@@ -5256,7 +5256,7 @@
           <a:p>
             <a:fld id="{55C6B4A9-1611-4792-9094-5F34BCA07E0B}" type="datetimeFigureOut">
               <a:rPr lang="en-US" smtClean="0"/>
-              <a:t>12/11/2019</a:t>
+              <a:t>3/17/2020</a:t>
             </a:fld>
             <a:endParaRPr lang="en-US" dirty="0"/>
           </a:p>
@@ -5437,7 +5437,7 @@
             <a:fld id="{B61BEF0D-F0BB-DE4B-95CE-6DB70DBA9567}" type="datetimeFigureOut">
               <a:rPr lang="en-US" smtClean="0"/>
               <a:pPr/>
-              <a:t>12/11/2019</a:t>
+              <a:t>3/17/2020</a:t>
             </a:fld>
             <a:endParaRPr lang="en-US" dirty="0"/>
           </a:p>
@@ -5702,7 +5702,7 @@
             <a:fld id="{B61BEF0D-F0BB-DE4B-95CE-6DB70DBA9567}" type="datetimeFigureOut">
               <a:rPr lang="en-US" smtClean="0"/>
               <a:pPr/>
-              <a:t>12/11/2019</a:t>
+              <a:t>3/17/2020</a:t>
             </a:fld>
             <a:endParaRPr lang="en-US" dirty="0"/>
           </a:p>
@@ -5968,7 +5968,7 @@
           <a:p>
             <a:fld id="{EB712588-04B1-427B-82EE-E8DB90309F08}" type="datetimeFigureOut">
               <a:rPr lang="en-US" smtClean="0"/>
-              <a:t>12/11/2019</a:t>
+              <a:t>3/17/2020</a:t>
             </a:fld>
             <a:endParaRPr lang="en-US" dirty="0"/>
           </a:p>
@@ -6381,7 +6381,7 @@
             <a:fld id="{B61BEF0D-F0BB-DE4B-95CE-6DB70DBA9567}" type="datetimeFigureOut">
               <a:rPr lang="en-US" smtClean="0"/>
               <a:pPr/>
-              <a:t>12/11/2019</a:t>
+              <a:t>3/17/2020</a:t>
             </a:fld>
             <a:endParaRPr lang="en-US" dirty="0"/>
           </a:p>
@@ -6524,7 +6524,7 @@
             <a:fld id="{B61BEF0D-F0BB-DE4B-95CE-6DB70DBA9567}" type="datetimeFigureOut">
               <a:rPr lang="en-US" smtClean="0"/>
               <a:pPr/>
-              <a:t>12/11/2019</a:t>
+              <a:t>3/17/2020</a:t>
             </a:fld>
             <a:endParaRPr lang="en-US" dirty="0"/>
           </a:p>
@@ -6639,7 +6639,7 @@
             <a:fld id="{B61BEF0D-F0BB-DE4B-95CE-6DB70DBA9567}" type="datetimeFigureOut">
               <a:rPr lang="en-US" smtClean="0"/>
               <a:pPr/>
-              <a:t>12/11/2019</a:t>
+              <a:t>3/17/2020</a:t>
             </a:fld>
             <a:endParaRPr lang="en-US" dirty="0"/>
           </a:p>
@@ -6951,7 +6951,7 @@
           <a:p>
             <a:fld id="{42A54C80-263E-416B-A8E0-580EDEADCBDC}" type="datetimeFigureOut">
               <a:rPr lang="en-US" smtClean="0"/>
-              <a:t>12/11/2019</a:t>
+              <a:t>3/17/2020</a:t>
             </a:fld>
             <a:endParaRPr lang="en-US" dirty="0"/>
           </a:p>
@@ -7240,7 +7240,7 @@
             <a:fld id="{B61BEF0D-F0BB-DE4B-95CE-6DB70DBA9567}" type="datetimeFigureOut">
               <a:rPr lang="en-US" smtClean="0"/>
               <a:pPr/>
-              <a:t>12/11/2019</a:t>
+              <a:t>3/17/2020</a:t>
             </a:fld>
             <a:endParaRPr lang="en-US" dirty="0"/>
           </a:p>
@@ -7483,7 +7483,7 @@
             <a:fld id="{B61BEF0D-F0BB-DE4B-95CE-6DB70DBA9567}" type="datetimeFigureOut">
               <a:rPr lang="en-US" smtClean="0"/>
               <a:pPr/>
-              <a:t>12/11/2019</a:t>
+              <a:t>3/17/2020</a:t>
             </a:fld>
             <a:endParaRPr lang="en-US" dirty="0"/>
           </a:p>
@@ -8568,7 +8568,7 @@
             <a:fld id="{B61BEF0D-F0BB-DE4B-95CE-6DB70DBA9567}" type="datetimeFigureOut">
               <a:rPr lang="en-US" smtClean="0"/>
               <a:pPr/>
-              <a:t>12/11/2019</a:t>
+              <a:t>3/17/2020</a:t>
             </a:fld>
             <a:endParaRPr lang="en-US" dirty="0"/>
           </a:p>
@@ -11352,8 +11352,8 @@
           </a:p>
         </p:txBody>
       </p:sp>
-      <mc:AlternateContent xmlns:mc="http://schemas.openxmlformats.org/markup-compatibility/2006">
-        <mc:Choice xmlns:a14="http://schemas.microsoft.com/office/drawing/2010/main" Requires="a14">
+      <mc:AlternateContent xmlns:mc="http://schemas.openxmlformats.org/markup-compatibility/2006" xmlns:a14="http://schemas.microsoft.com/office/drawing/2010/main">
+        <mc:Choice Requires="a14">
           <p:sp>
             <p:nvSpPr>
               <p:cNvPr id="3" name="Marcador de contenido 2">
@@ -11722,7 +11722,7 @@
             </p:txBody>
           </p:sp>
         </mc:Choice>
-        <mc:Fallback>
+        <mc:Fallback xmlns="">
           <p:sp>
             <p:nvSpPr>
               <p:cNvPr id="3" name="Marcador de contenido 2">
@@ -11835,8 +11835,8 @@
           </a:p>
         </p:txBody>
       </p:sp>
-      <mc:AlternateContent xmlns:mc="http://schemas.openxmlformats.org/markup-compatibility/2006">
-        <mc:Choice xmlns:a14="http://schemas.microsoft.com/office/drawing/2010/main" Requires="a14">
+      <mc:AlternateContent xmlns:mc="http://schemas.openxmlformats.org/markup-compatibility/2006" xmlns:a14="http://schemas.microsoft.com/office/drawing/2010/main">
+        <mc:Choice Requires="a14">
           <p:sp>
             <p:nvSpPr>
               <p:cNvPr id="3" name="Marcador de contenido 2">
@@ -12328,7 +12328,7 @@
             </p:txBody>
           </p:sp>
         </mc:Choice>
-        <mc:Fallback>
+        <mc:Fallback xmlns="">
           <p:sp>
             <p:nvSpPr>
               <p:cNvPr id="3" name="Marcador de contenido 2">
@@ -15329,8 +15329,8 @@
           </a:p>
         </p:txBody>
       </p:sp>
-      <mc:AlternateContent xmlns:mc="http://schemas.openxmlformats.org/markup-compatibility/2006">
-        <mc:Choice xmlns:a14="http://schemas.microsoft.com/office/drawing/2010/main" Requires="a14">
+      <mc:AlternateContent xmlns:mc="http://schemas.openxmlformats.org/markup-compatibility/2006" xmlns:a14="http://schemas.microsoft.com/office/drawing/2010/main">
+        <mc:Choice Requires="a14">
           <p:sp>
             <p:nvSpPr>
               <p:cNvPr id="3" name="Marcador de contenido 2">
@@ -15952,7 +15952,7 @@
             </p:txBody>
           </p:sp>
         </mc:Choice>
-        <mc:Fallback>
+        <mc:Fallback xmlns="">
           <p:sp>
             <p:nvSpPr>
               <p:cNvPr id="3" name="Marcador de contenido 2">
